--- a/Tds Groupe 1.pptx
+++ b/Tds Groupe 1.pptx
@@ -1054,7 +1054,7 @@
   <p:cSld>
     <p:spTree>
       <p:nvGrpSpPr>
-        <p:cNvPr id="173" name="Shape 173"/>
+        <p:cNvPr id="175" name="Shape 175"/>
         <p:cNvGrpSpPr/>
         <p:nvPr/>
       </p:nvGrpSpPr>
@@ -1068,7 +1068,7 @@
       </p:grpSpPr>
       <p:sp>
         <p:nvSpPr>
-          <p:cNvPr id="174" name="Google Shape;174;gb05bee0d7d_0_33:notes"/>
+          <p:cNvPr id="176" name="Google Shape;176;gb05bee0d7d_0_33:notes"/>
           <p:cNvSpPr/>
           <p:nvPr>
             <p:ph idx="2" type="sldImg"/>
@@ -1103,7 +1103,7 @@
       </p:sp>
       <p:sp>
         <p:nvSpPr>
-          <p:cNvPr id="175" name="Google Shape;175;gb05bee0d7d_0_33:notes"/>
+          <p:cNvPr id="177" name="Google Shape;177;gb05bee0d7d_0_33:notes"/>
           <p:cNvSpPr txBox="1"/>
           <p:nvPr>
             <p:ph idx="1" type="body"/>
@@ -1149,9 +1149,26 @@
               </a:spcAft>
               <a:buNone/>
             </a:pPr>
-            <a:r>
+            <a:br>
               <a:rPr lang="fr"/>
-              <a:t>Pour finir, nous allons faire la détection et le stockage des contour de notre image. Pour ce faire nous utilisons la commande findContours, celle-ci utilise l’algorithme de Satoshi Suzuki. De gauche à droite, elle prend en paramètres en l’image que l’on veut traiter, le mode de récupération des contours et le mode d’approximation des contours qui nous permettra d’économiser de la place en mémoire.</a:t>
+            </a:br>
+            <a:r>
+              <a:rPr lang="fr"/>
+              <a:t>Pour finir, nous allons faire la détection et le stockage des contour de notre image. Pour ce faire nous utilisons la commande findContours, celle-ci utilise l’algorithme de Satoshi Suzuki. De gauche à droite, elle prend en paramètres en l’image que l’on veut traiter, </a:t>
+            </a:r>
+            <a:br>
+              <a:rPr lang="fr"/>
+            </a:br>
+            <a:r>
+              <a:rPr lang="fr"/>
+              <a:t>le mode de récupération des contours </a:t>
+            </a:r>
+            <a:br>
+              <a:rPr lang="fr"/>
+            </a:br>
+            <a:r>
+              <a:rPr lang="fr"/>
+              <a:t>et le mode d’approximation des contours qui nous permettra d’économiser de la place en mémoire.</a:t>
             </a:r>
             <a:endParaRPr/>
           </a:p>
@@ -1170,7 +1187,7 @@
   <p:cSld>
     <p:spTree>
       <p:nvGrpSpPr>
-        <p:cNvPr id="184" name="Shape 184"/>
+        <p:cNvPr id="186" name="Shape 186"/>
         <p:cNvGrpSpPr/>
         <p:nvPr/>
       </p:nvGrpSpPr>
@@ -1184,7 +1201,7 @@
       </p:grpSpPr>
       <p:sp>
         <p:nvSpPr>
-          <p:cNvPr id="185" name="Google Shape;185;gb0590300c7_0_0:notes"/>
+          <p:cNvPr id="187" name="Google Shape;187;gb0590300c7_0_0:notes"/>
           <p:cNvSpPr/>
           <p:nvPr>
             <p:ph idx="2" type="sldImg"/>
@@ -1219,7 +1236,7 @@
       </p:sp>
       <p:sp>
         <p:nvSpPr>
-          <p:cNvPr id="186" name="Google Shape;186;gb0590300c7_0_0:notes"/>
+          <p:cNvPr id="188" name="Google Shape;188;gb0590300c7_0_0:notes"/>
           <p:cNvSpPr txBox="1"/>
           <p:nvPr>
             <p:ph idx="1" type="body"/>
@@ -1285,6 +1302,9 @@
               <a:rPr lang="fr"/>
               <a:t> du coins supérieur droit du rectangle à limite minimum ainsi que sa longueur et sa hauteur.</a:t>
             </a:r>
+            <a:br>
+              <a:rPr lang="fr"/>
+            </a:br>
             <a:endParaRPr/>
           </a:p>
           <a:p>
@@ -1317,6 +1337,9 @@
               <a:rPr lang="fr"/>
               <a:t>la ligne d’après permet de créer le rectangle avec les coordonnées récupérer avant.</a:t>
             </a:r>
+            <a:br>
+              <a:rPr lang="fr"/>
+            </a:br>
             <a:endParaRPr/>
           </a:p>
           <a:p>
@@ -1409,7 +1432,7 @@
   <p:cSld>
     <p:spTree>
       <p:nvGrpSpPr>
-        <p:cNvPr id="194" name="Shape 194"/>
+        <p:cNvPr id="196" name="Shape 196"/>
         <p:cNvGrpSpPr/>
         <p:nvPr/>
       </p:nvGrpSpPr>
@@ -1423,7 +1446,7 @@
       </p:grpSpPr>
       <p:sp>
         <p:nvSpPr>
-          <p:cNvPr id="195" name="Google Shape;195;gb0590300c7_5_11:notes"/>
+          <p:cNvPr id="197" name="Google Shape;197;gb0590300c7_5_11:notes"/>
           <p:cNvSpPr/>
           <p:nvPr>
             <p:ph idx="2" type="sldImg"/>
@@ -1458,7 +1481,7 @@
       </p:sp>
       <p:sp>
         <p:nvSpPr>
-          <p:cNvPr id="196" name="Google Shape;196;gb0590300c7_5_11:notes"/>
+          <p:cNvPr id="198" name="Google Shape;198;gb0590300c7_5_11:notes"/>
           <p:cNvSpPr txBox="1"/>
           <p:nvPr>
             <p:ph idx="1" type="body"/>
@@ -1541,7 +1564,7 @@
   <p:cSld>
     <p:spTree>
       <p:nvGrpSpPr>
-        <p:cNvPr id="208" name="Shape 208"/>
+        <p:cNvPr id="210" name="Shape 210"/>
         <p:cNvGrpSpPr/>
         <p:nvPr/>
       </p:nvGrpSpPr>
@@ -1555,7 +1578,7 @@
       </p:grpSpPr>
       <p:sp>
         <p:nvSpPr>
-          <p:cNvPr id="209" name="Google Shape;209;gb0590300c7_5_0:notes"/>
+          <p:cNvPr id="211" name="Google Shape;211;gb0590300c7_5_0:notes"/>
           <p:cNvSpPr/>
           <p:nvPr>
             <p:ph idx="2" type="sldImg"/>
@@ -1590,7 +1613,7 @@
       </p:sp>
       <p:sp>
         <p:nvSpPr>
-          <p:cNvPr id="210" name="Google Shape;210;gb0590300c7_5_0:notes"/>
+          <p:cNvPr id="212" name="Google Shape;212;gb0590300c7_5_0:notes"/>
           <p:cNvSpPr txBox="1"/>
           <p:nvPr>
             <p:ph idx="1" type="body"/>
@@ -1673,7 +1696,7 @@
   <p:cSld>
     <p:spTree>
       <p:nvGrpSpPr>
-        <p:cNvPr id="217" name="Shape 217"/>
+        <p:cNvPr id="219" name="Shape 219"/>
         <p:cNvGrpSpPr/>
         <p:nvPr/>
       </p:nvGrpSpPr>
@@ -1687,7 +1710,7 @@
       </p:grpSpPr>
       <p:sp>
         <p:nvSpPr>
-          <p:cNvPr id="218" name="Google Shape;218;gb0590300c7_0_5:notes"/>
+          <p:cNvPr id="220" name="Google Shape;220;gb0590300c7_0_5:notes"/>
           <p:cNvSpPr/>
           <p:nvPr>
             <p:ph idx="2" type="sldImg"/>
@@ -1722,7 +1745,7 @@
       </p:sp>
       <p:sp>
         <p:nvSpPr>
-          <p:cNvPr id="219" name="Google Shape;219;gb0590300c7_0_5:notes"/>
+          <p:cNvPr id="221" name="Google Shape;221;gb0590300c7_0_5:notes"/>
           <p:cNvSpPr txBox="1"/>
           <p:nvPr>
             <p:ph idx="1" type="body"/>
@@ -1809,7 +1832,7 @@
   <p:cSld>
     <p:spTree>
       <p:nvGrpSpPr>
-        <p:cNvPr id="224" name="Shape 224"/>
+        <p:cNvPr id="226" name="Shape 226"/>
         <p:cNvGrpSpPr/>
         <p:nvPr/>
       </p:nvGrpSpPr>
@@ -1823,7 +1846,7 @@
       </p:grpSpPr>
       <p:sp>
         <p:nvSpPr>
-          <p:cNvPr id="225" name="Google Shape;225;gb0590300c7_7_19:notes"/>
+          <p:cNvPr id="227" name="Google Shape;227;gb0590300c7_7_19:notes"/>
           <p:cNvSpPr/>
           <p:nvPr>
             <p:ph idx="2" type="sldImg"/>
@@ -1858,7 +1881,7 @@
       </p:sp>
       <p:sp>
         <p:nvSpPr>
-          <p:cNvPr id="226" name="Google Shape;226;gb0590300c7_7_19:notes"/>
+          <p:cNvPr id="228" name="Google Shape;228;gb0590300c7_7_19:notes"/>
           <p:cNvSpPr txBox="1"/>
           <p:nvPr>
             <p:ph idx="1" type="body"/>
@@ -8233,7 +8256,7 @@
         </p:nvSpPr>
         <p:spPr>
           <a:xfrm>
-            <a:off x="4832400" y="1152475"/>
+            <a:off x="4150375" y="1152475"/>
             <a:ext cx="3999900" cy="3416400"/>
           </a:xfrm>
           <a:prstGeom prst="rect">
@@ -8442,7 +8465,7 @@
         </p:blipFill>
         <p:spPr>
           <a:xfrm>
-            <a:off x="4832400" y="2258284"/>
+            <a:off x="3861325" y="2258284"/>
             <a:ext cx="2916600" cy="2893541"/>
           </a:xfrm>
           <a:prstGeom prst="rect">
@@ -8454,6 +8477,80 @@
           </a:ln>
         </p:spPr>
       </p:pic>
+      <p:pic>
+        <p:nvPicPr>
+          <p:cNvPr id="173" name="Google Shape;173;p23"/>
+          <p:cNvPicPr preferRelativeResize="0"/>
+          <p:nvPr/>
+        </p:nvPicPr>
+        <p:blipFill>
+          <a:blip r:embed="rId7">
+            <a:alphaModFix/>
+          </a:blip>
+          <a:stretch>
+            <a:fillRect/>
+          </a:stretch>
+        </p:blipFill>
+        <p:spPr>
+          <a:xfrm>
+            <a:off x="6821429" y="2756123"/>
+            <a:ext cx="2931918" cy="393600"/>
+          </a:xfrm>
+          <a:prstGeom prst="rect">
+            <a:avLst/>
+          </a:prstGeom>
+          <a:noFill/>
+          <a:ln>
+            <a:noFill/>
+          </a:ln>
+        </p:spPr>
+      </p:pic>
+      <p:sp>
+        <p:nvSpPr>
+          <p:cNvPr id="174" name="Google Shape;174;p23"/>
+          <p:cNvSpPr/>
+          <p:nvPr/>
+        </p:nvSpPr>
+        <p:spPr>
+          <a:xfrm>
+            <a:off x="8165025" y="1845200"/>
+            <a:ext cx="253800" cy="830400"/>
+          </a:xfrm>
+          <a:prstGeom prst="downArrow">
+            <a:avLst>
+              <a:gd fmla="val 50000" name="adj1"/>
+              <a:gd fmla="val 50000" name="adj2"/>
+            </a:avLst>
+          </a:prstGeom>
+          <a:solidFill>
+            <a:srgbClr val="FF0000"/>
+          </a:solidFill>
+          <a:ln>
+            <a:noFill/>
+          </a:ln>
+        </p:spPr>
+        <p:txBody>
+          <a:bodyPr anchorCtr="0" anchor="ctr" bIns="91425" lIns="91425" spcFirstLastPara="1" rIns="91425" wrap="square" tIns="91425">
+            <a:noAutofit/>
+          </a:bodyPr>
+          <a:lstStyle/>
+          <a:p>
+            <a:pPr indent="0" lvl="0" marL="0" rtl="0" algn="l">
+              <a:spcBef>
+                <a:spcPts val="0"/>
+              </a:spcBef>
+              <a:spcAft>
+                <a:spcPts val="0"/>
+              </a:spcAft>
+              <a:buNone/>
+            </a:pPr>
+            <a:r>
+              <a:t/>
+            </a:r>
+            <a:endParaRPr/>
+          </a:p>
+        </p:txBody>
+      </p:sp>
     </p:spTree>
   </p:cSld>
   <p:clrMapOvr>
@@ -8467,7 +8564,7 @@
   <p:cSld>
     <p:spTree>
       <p:nvGrpSpPr>
-        <p:cNvPr id="176" name="Shape 176"/>
+        <p:cNvPr id="178" name="Shape 178"/>
         <p:cNvGrpSpPr/>
         <p:nvPr/>
       </p:nvGrpSpPr>
@@ -8481,7 +8578,7 @@
       </p:grpSpPr>
       <p:sp>
         <p:nvSpPr>
-          <p:cNvPr id="177" name="Google Shape;177;p24"/>
+          <p:cNvPr id="179" name="Google Shape;179;p24"/>
           <p:cNvSpPr txBox="1"/>
           <p:nvPr>
             <p:ph type="title"/>
@@ -8521,7 +8618,7 @@
       </p:sp>
       <p:sp>
         <p:nvSpPr>
-          <p:cNvPr id="178" name="Google Shape;178;p24"/>
+          <p:cNvPr id="180" name="Google Shape;180;p24"/>
           <p:cNvSpPr txBox="1"/>
           <p:nvPr>
             <p:ph idx="1" type="body"/>
@@ -8577,7 +8674,7 @@
       </p:sp>
       <p:sp>
         <p:nvSpPr>
-          <p:cNvPr id="179" name="Google Shape;179;p24"/>
+          <p:cNvPr id="181" name="Google Shape;181;p24"/>
           <p:cNvSpPr txBox="1"/>
           <p:nvPr>
             <p:ph idx="2" type="body"/>
@@ -8633,7 +8730,7 @@
       </p:sp>
       <p:sp>
         <p:nvSpPr>
-          <p:cNvPr id="180" name="Google Shape;180;p24"/>
+          <p:cNvPr id="182" name="Google Shape;182;p24"/>
           <p:cNvSpPr txBox="1"/>
           <p:nvPr>
             <p:ph idx="12" type="sldNum"/>
@@ -8673,7 +8770,7 @@
       </p:sp>
       <p:sp>
         <p:nvSpPr>
-          <p:cNvPr id="181" name="Google Shape;181;p24"/>
+          <p:cNvPr id="183" name="Google Shape;183;p24"/>
           <p:cNvSpPr txBox="1"/>
           <p:nvPr/>
         </p:nvSpPr>
@@ -8869,7 +8966,7 @@
       </p:sp>
       <p:sp>
         <p:nvSpPr>
-          <p:cNvPr id="182" name="Google Shape;182;p24"/>
+          <p:cNvPr id="184" name="Google Shape;184;p24"/>
           <p:cNvSpPr txBox="1"/>
           <p:nvPr/>
         </p:nvSpPr>
@@ -9095,7 +9192,7 @@
       </p:sp>
       <p:pic>
         <p:nvPicPr>
-          <p:cNvPr id="183" name="Google Shape;183;p24"/>
+          <p:cNvPr id="185" name="Google Shape;185;p24"/>
           <p:cNvPicPr preferRelativeResize="0"/>
           <p:nvPr/>
         </p:nvPicPr>
@@ -9134,7 +9231,7 @@
   <p:cSld>
     <p:spTree>
       <p:nvGrpSpPr>
-        <p:cNvPr id="187" name="Shape 187"/>
+        <p:cNvPr id="189" name="Shape 189"/>
         <p:cNvGrpSpPr/>
         <p:nvPr/>
       </p:nvGrpSpPr>
@@ -9148,7 +9245,7 @@
       </p:grpSpPr>
       <p:sp>
         <p:nvSpPr>
-          <p:cNvPr id="188" name="Google Shape;188;p25"/>
+          <p:cNvPr id="190" name="Google Shape;190;p25"/>
           <p:cNvSpPr txBox="1"/>
           <p:nvPr>
             <p:ph type="title"/>
@@ -9188,7 +9285,7 @@
       </p:sp>
       <p:sp>
         <p:nvSpPr>
-          <p:cNvPr id="189" name="Google Shape;189;p25"/>
+          <p:cNvPr id="191" name="Google Shape;191;p25"/>
           <p:cNvSpPr txBox="1"/>
           <p:nvPr>
             <p:ph idx="12" type="sldNum"/>
@@ -9228,7 +9325,7 @@
       </p:sp>
       <p:pic>
         <p:nvPicPr>
-          <p:cNvPr id="190" name="Google Shape;190;p25"/>
+          <p:cNvPr id="192" name="Google Shape;192;p25"/>
           <p:cNvPicPr preferRelativeResize="0"/>
           <p:nvPr/>
         </p:nvPicPr>
@@ -9255,7 +9352,7 @@
       </p:pic>
       <p:sp>
         <p:nvSpPr>
-          <p:cNvPr id="191" name="Google Shape;191;p25"/>
+          <p:cNvPr id="193" name="Google Shape;193;p25"/>
           <p:cNvSpPr txBox="1"/>
           <p:nvPr/>
         </p:nvSpPr>
@@ -9296,7 +9393,7 @@
       </p:sp>
       <p:sp>
         <p:nvSpPr>
-          <p:cNvPr id="192" name="Google Shape;192;p25"/>
+          <p:cNvPr id="194" name="Google Shape;194;p25"/>
           <p:cNvSpPr txBox="1"/>
           <p:nvPr/>
         </p:nvSpPr>
@@ -9349,7 +9446,7 @@
       </p:sp>
       <p:sp>
         <p:nvSpPr>
-          <p:cNvPr id="193" name="Google Shape;193;p25"/>
+          <p:cNvPr id="195" name="Google Shape;195;p25"/>
           <p:cNvSpPr txBox="1"/>
           <p:nvPr/>
         </p:nvSpPr>
@@ -9405,7 +9502,7 @@
   <p:cSld>
     <p:spTree>
       <p:nvGrpSpPr>
-        <p:cNvPr id="197" name="Shape 197"/>
+        <p:cNvPr id="199" name="Shape 199"/>
         <p:cNvGrpSpPr/>
         <p:nvPr/>
       </p:nvGrpSpPr>
@@ -9419,7 +9516,7 @@
       </p:grpSpPr>
       <p:sp>
         <p:nvSpPr>
-          <p:cNvPr id="198" name="Google Shape;198;p26"/>
+          <p:cNvPr id="200" name="Google Shape;200;p26"/>
           <p:cNvSpPr txBox="1"/>
           <p:nvPr>
             <p:ph type="title"/>
@@ -9464,7 +9561,7 @@
       </p:sp>
       <p:sp>
         <p:nvSpPr>
-          <p:cNvPr id="199" name="Google Shape;199;p26"/>
+          <p:cNvPr id="201" name="Google Shape;201;p26"/>
           <p:cNvSpPr txBox="1"/>
           <p:nvPr>
             <p:ph idx="12" type="sldNum"/>
@@ -9504,7 +9601,7 @@
       </p:sp>
       <p:pic>
         <p:nvPicPr>
-          <p:cNvPr id="200" name="Google Shape;200;p26"/>
+          <p:cNvPr id="202" name="Google Shape;202;p26"/>
           <p:cNvPicPr preferRelativeResize="0"/>
           <p:nvPr/>
         </p:nvPicPr>
@@ -9531,7 +9628,7 @@
       </p:pic>
       <p:sp>
         <p:nvSpPr>
-          <p:cNvPr id="201" name="Google Shape;201;p26"/>
+          <p:cNvPr id="203" name="Google Shape;203;p26"/>
           <p:cNvSpPr txBox="1"/>
           <p:nvPr/>
         </p:nvSpPr>
@@ -9580,7 +9677,7 @@
       </p:sp>
       <p:sp>
         <p:nvSpPr>
-          <p:cNvPr id="202" name="Google Shape;202;p26"/>
+          <p:cNvPr id="204" name="Google Shape;204;p26"/>
           <p:cNvSpPr txBox="1"/>
           <p:nvPr/>
         </p:nvSpPr>
@@ -9648,7 +9745,7 @@
       </p:sp>
       <p:sp>
         <p:nvSpPr>
-          <p:cNvPr id="203" name="Google Shape;203;p26"/>
+          <p:cNvPr id="205" name="Google Shape;205;p26"/>
           <p:cNvSpPr txBox="1"/>
           <p:nvPr/>
         </p:nvSpPr>
@@ -9702,7 +9799,7 @@
       </p:sp>
       <p:sp>
         <p:nvSpPr>
-          <p:cNvPr id="204" name="Google Shape;204;p26"/>
+          <p:cNvPr id="206" name="Google Shape;206;p26"/>
           <p:cNvSpPr/>
           <p:nvPr/>
         </p:nvSpPr>
@@ -9748,7 +9845,7 @@
       </p:sp>
       <p:sp>
         <p:nvSpPr>
-          <p:cNvPr id="205" name="Google Shape;205;p26"/>
+          <p:cNvPr id="207" name="Google Shape;207;p26"/>
           <p:cNvSpPr/>
           <p:nvPr/>
         </p:nvSpPr>
@@ -9798,7 +9895,7 @@
       </p:sp>
       <p:sp>
         <p:nvSpPr>
-          <p:cNvPr id="206" name="Google Shape;206;p26"/>
+          <p:cNvPr id="208" name="Google Shape;208;p26"/>
           <p:cNvSpPr/>
           <p:nvPr/>
         </p:nvSpPr>
@@ -9844,7 +9941,7 @@
       </p:sp>
       <p:sp>
         <p:nvSpPr>
-          <p:cNvPr id="207" name="Google Shape;207;p26"/>
+          <p:cNvPr id="209" name="Google Shape;209;p26"/>
           <p:cNvSpPr/>
           <p:nvPr/>
         </p:nvSpPr>
@@ -9901,7 +9998,7 @@
   <p:cSld>
     <p:spTree>
       <p:nvGrpSpPr>
-        <p:cNvPr id="211" name="Shape 211"/>
+        <p:cNvPr id="213" name="Shape 213"/>
         <p:cNvGrpSpPr/>
         <p:nvPr/>
       </p:nvGrpSpPr>
@@ -9915,7 +10012,7 @@
       </p:grpSpPr>
       <p:sp>
         <p:nvSpPr>
-          <p:cNvPr id="212" name="Google Shape;212;p27"/>
+          <p:cNvPr id="214" name="Google Shape;214;p27"/>
           <p:cNvSpPr txBox="1"/>
           <p:nvPr>
             <p:ph type="title"/>
@@ -9955,7 +10052,7 @@
       </p:sp>
       <p:sp>
         <p:nvSpPr>
-          <p:cNvPr id="213" name="Google Shape;213;p27"/>
+          <p:cNvPr id="215" name="Google Shape;215;p27"/>
           <p:cNvSpPr txBox="1"/>
           <p:nvPr>
             <p:ph idx="1" type="body"/>
@@ -10038,7 +10135,7 @@
       </p:sp>
       <p:pic>
         <p:nvPicPr>
-          <p:cNvPr id="214" name="Google Shape;214;p27"/>
+          <p:cNvPr id="216" name="Google Shape;216;p27"/>
           <p:cNvPicPr preferRelativeResize="0"/>
           <p:nvPr/>
         </p:nvPicPr>
@@ -10066,7 +10163,7 @@
       </p:pic>
       <p:pic>
         <p:nvPicPr>
-          <p:cNvPr id="215" name="Google Shape;215;p27"/>
+          <p:cNvPr id="217" name="Google Shape;217;p27"/>
           <p:cNvPicPr preferRelativeResize="0"/>
           <p:nvPr/>
         </p:nvPicPr>
@@ -10094,7 +10191,7 @@
       </p:pic>
       <p:sp>
         <p:nvSpPr>
-          <p:cNvPr id="216" name="Google Shape;216;p27"/>
+          <p:cNvPr id="218" name="Google Shape;218;p27"/>
           <p:cNvSpPr txBox="1"/>
           <p:nvPr>
             <p:ph idx="12" type="sldNum"/>
@@ -10145,7 +10242,7 @@
   <p:cSld>
     <p:spTree>
       <p:nvGrpSpPr>
-        <p:cNvPr id="220" name="Shape 220"/>
+        <p:cNvPr id="222" name="Shape 222"/>
         <p:cNvGrpSpPr/>
         <p:nvPr/>
       </p:nvGrpSpPr>
@@ -10159,7 +10256,7 @@
       </p:grpSpPr>
       <p:sp>
         <p:nvSpPr>
-          <p:cNvPr id="221" name="Google Shape;221;p28"/>
+          <p:cNvPr id="223" name="Google Shape;223;p28"/>
           <p:cNvSpPr txBox="1"/>
           <p:nvPr>
             <p:ph type="title"/>
@@ -10199,7 +10296,7 @@
       </p:sp>
       <p:sp>
         <p:nvSpPr>
-          <p:cNvPr id="222" name="Google Shape;222;p28"/>
+          <p:cNvPr id="224" name="Google Shape;224;p28"/>
           <p:cNvSpPr txBox="1"/>
           <p:nvPr>
             <p:ph idx="1" type="body"/>
@@ -10312,7 +10409,7 @@
       </p:sp>
       <p:sp>
         <p:nvSpPr>
-          <p:cNvPr id="223" name="Google Shape;223;p28"/>
+          <p:cNvPr id="225" name="Google Shape;225;p28"/>
           <p:cNvSpPr txBox="1"/>
           <p:nvPr>
             <p:ph idx="12" type="sldNum"/>
@@ -10363,7 +10460,7 @@
   <p:cSld>
     <p:spTree>
       <p:nvGrpSpPr>
-        <p:cNvPr id="227" name="Shape 227"/>
+        <p:cNvPr id="229" name="Shape 229"/>
         <p:cNvGrpSpPr/>
         <p:nvPr/>
       </p:nvGrpSpPr>
@@ -10377,7 +10474,7 @@
       </p:grpSpPr>
       <p:sp>
         <p:nvSpPr>
-          <p:cNvPr id="228" name="Google Shape;228;p29"/>
+          <p:cNvPr id="230" name="Google Shape;230;p29"/>
           <p:cNvSpPr txBox="1"/>
           <p:nvPr>
             <p:ph type="title"/>
@@ -10417,7 +10514,7 @@
       </p:sp>
       <p:sp>
         <p:nvSpPr>
-          <p:cNvPr id="229" name="Google Shape;229;p29"/>
+          <p:cNvPr id="231" name="Google Shape;231;p29"/>
           <p:cNvSpPr txBox="1"/>
           <p:nvPr>
             <p:ph idx="12" type="sldNum"/>
